--- a/docs/Xplore Overview Presentation.pptx
+++ b/docs/Xplore Overview Presentation.pptx
@@ -212,7 +212,7 @@
             <a:fld id="{0239D73C-AF14-7643-8BC7-209F4FB10DDF}" type="datetimeFigureOut">
               <a:rPr lang="en-US" smtClean="0"/>
               <a:pPr/>
-              <a:t>12/8/2022</a:t>
+              <a:t>12/9/2022</a:t>
             </a:fld>
             <a:endParaRPr lang="en-US" dirty="0"/>
           </a:p>
@@ -3739,7 +3739,7 @@
           <a:p>
             <a:r>
               <a:rPr lang="en-US" dirty="0"/>
-              <a:t>Test Plan</a:t>
+              <a:t>Test Plan – Most likely Issues</a:t>
             </a:r>
           </a:p>
         </p:txBody>
@@ -3765,46 +3765,10 @@
           <a:bodyPr/>
           <a:lstStyle/>
           <a:p>
-            <a:r>
-              <a:rPr lang="en-US" dirty="0"/>
-              <a:t>Lorem ipsum dolor sit amet, consectetur adipiscing elit.</a:t>
-            </a:r>
-          </a:p>
-          <a:p>
-            <a:r>
-              <a:rPr lang="en-US" dirty="0"/>
-              <a:t>Quisque ac orci in turpis dapibus sagittis.</a:t>
-            </a:r>
-          </a:p>
-          <a:p>
-            <a:r>
-              <a:rPr lang="en-US" dirty="0"/>
-              <a:t>Donec vitae justo et neque mollis consectetur.</a:t>
-            </a:r>
-          </a:p>
-          <a:p>
-            <a:r>
-              <a:rPr lang="en-US" dirty="0"/>
-              <a:t>Etiam aliquet ex sed bibendum consequat.</a:t>
-            </a:r>
-          </a:p>
-          <a:p>
-            <a:r>
-              <a:rPr lang="en-US" dirty="0"/>
-              <a:t>Cras lacinia est ac elit dignissim varius.</a:t>
-            </a:r>
-          </a:p>
-          <a:p>
-            <a:r>
-              <a:rPr lang="en-US" dirty="0"/>
-              <a:t>Duis sit amet odio facilisis turpis sodales placerat.</a:t>
-            </a:r>
-          </a:p>
-          <a:p>
-            <a:r>
-              <a:rPr lang="en-US" dirty="0"/>
-              <a:t>Justo et neque odio facilisis turpis sodales placerat.</a:t>
-            </a:r>
+            <a:pPr marL="0" indent="0">
+              <a:buNone/>
+            </a:pPr>
+            <a:endParaRPr lang="en-US" dirty="0"/>
           </a:p>
         </p:txBody>
       </p:sp>
@@ -4163,15 +4127,21 @@
             <p:ph type="title"/>
           </p:nvPr>
         </p:nvSpPr>
-        <p:spPr/>
+        <p:spPr>
+          <a:xfrm>
+            <a:off x="566928" y="1333417"/>
+            <a:ext cx="6951472" cy="757130"/>
+          </a:xfrm>
+        </p:spPr>
         <p:txBody>
           <a:bodyPr/>
           <a:lstStyle/>
           <a:p>
             <a:r>
-              <a:rPr lang="en-US" dirty="0"/>
+              <a:rPr lang="en-US" sz="4800" dirty="0"/>
               <a:t>Index</a:t>
             </a:r>
+            <a:endParaRPr lang="en-US" dirty="0"/>
           </a:p>
         </p:txBody>
       </p:sp>
@@ -4219,7 +4189,7 @@
         <p:spPr>
           <a:xfrm>
             <a:off x="932811" y="2172467"/>
-            <a:ext cx="7425664" cy="2585323"/>
+            <a:ext cx="7425664" cy="3970318"/>
           </a:xfrm>
           <a:prstGeom prst="rect">
             <a:avLst/>
@@ -4237,12 +4207,12 @@
               <a:buChar char="•"/>
             </a:pPr>
             <a:r>
-              <a:rPr lang="en-US" dirty="0">
+              <a:rPr lang="en-US" sz="2800" dirty="0">
                 <a:hlinkClick r:id="rId2" action="ppaction://hlinksldjump"/>
               </a:rPr>
               <a:t>Introduction</a:t>
             </a:r>
-            <a:endParaRPr lang="en-US" dirty="0"/>
+            <a:endParaRPr lang="en-US" sz="2800" dirty="0"/>
           </a:p>
           <a:p>
             <a:pPr marL="285750" indent="-285750">
@@ -4250,12 +4220,12 @@
               <a:buChar char="•"/>
             </a:pPr>
             <a:r>
-              <a:rPr lang="en-US" dirty="0">
+              <a:rPr lang="en-US" sz="2800" dirty="0">
                 <a:hlinkClick r:id="rId3" action="ppaction://hlinksldjump"/>
               </a:rPr>
               <a:t>Bill Of Materials</a:t>
             </a:r>
-            <a:endParaRPr lang="en-US" dirty="0"/>
+            <a:endParaRPr lang="en-US" sz="2800" dirty="0"/>
           </a:p>
           <a:p>
             <a:pPr marL="285750" indent="-285750">
@@ -4263,12 +4233,12 @@
               <a:buChar char="•"/>
             </a:pPr>
             <a:r>
-              <a:rPr lang="en-US" dirty="0">
+              <a:rPr lang="en-US" sz="2800" dirty="0">
                 <a:hlinkClick r:id="rId4" action="ppaction://hlinksldjump"/>
               </a:rPr>
               <a:t>Features and Specifications</a:t>
             </a:r>
-            <a:endParaRPr lang="en-US" dirty="0"/>
+            <a:endParaRPr lang="en-US" sz="2800" dirty="0"/>
           </a:p>
           <a:p>
             <a:pPr marL="285750" indent="-285750">
@@ -4276,12 +4246,12 @@
               <a:buChar char="•"/>
             </a:pPr>
             <a:r>
-              <a:rPr lang="en-US" dirty="0">
+              <a:rPr lang="en-US" sz="2800" dirty="0">
                 <a:hlinkClick r:id="rId5" action="ppaction://hlinksldjump"/>
               </a:rPr>
               <a:t>Design Process</a:t>
             </a:r>
-            <a:endParaRPr lang="en-US" dirty="0"/>
+            <a:endParaRPr lang="en-US" sz="2800" dirty="0"/>
           </a:p>
           <a:p>
             <a:pPr marL="285750" indent="-285750">
@@ -4289,12 +4259,12 @@
               <a:buChar char="•"/>
             </a:pPr>
             <a:r>
-              <a:rPr lang="en-US" dirty="0">
+              <a:rPr lang="en-US" sz="2800" dirty="0">
                 <a:hlinkClick r:id="rId6" action="ppaction://hlinksldjump"/>
               </a:rPr>
               <a:t>System Block diagram</a:t>
             </a:r>
-            <a:endParaRPr lang="en-US" dirty="0"/>
+            <a:endParaRPr lang="en-US" sz="2800" dirty="0"/>
           </a:p>
           <a:p>
             <a:pPr marL="285750" indent="-285750">
@@ -4302,12 +4272,12 @@
               <a:buChar char="•"/>
             </a:pPr>
             <a:r>
-              <a:rPr lang="en-US" dirty="0">
+              <a:rPr lang="en-US" sz="2800" dirty="0">
                 <a:hlinkClick r:id="rId7" action="ppaction://hlinksldjump"/>
               </a:rPr>
               <a:t>Finite State Machine</a:t>
             </a:r>
-            <a:endParaRPr lang="en-US" dirty="0"/>
+            <a:endParaRPr lang="en-US" sz="2800" dirty="0"/>
           </a:p>
           <a:p>
             <a:pPr marL="285750" indent="-285750">
@@ -4315,12 +4285,12 @@
               <a:buChar char="•"/>
             </a:pPr>
             <a:r>
-              <a:rPr lang="en-US" dirty="0">
+              <a:rPr lang="en-US" sz="2800" dirty="0">
                 <a:hlinkClick r:id="rId8" action="ppaction://hlinksldjump"/>
               </a:rPr>
               <a:t>Instructions</a:t>
             </a:r>
-            <a:endParaRPr lang="en-US" dirty="0"/>
+            <a:endParaRPr lang="en-US" sz="2800" dirty="0"/>
           </a:p>
           <a:p>
             <a:pPr marL="285750" indent="-285750">
@@ -4328,12 +4298,12 @@
               <a:buChar char="•"/>
             </a:pPr>
             <a:r>
-              <a:rPr lang="en-US" dirty="0">
+              <a:rPr lang="en-US" sz="2800" dirty="0">
                 <a:hlinkClick r:id="rId9" action="ppaction://hlinksldjump"/>
               </a:rPr>
               <a:t>Test Plan</a:t>
             </a:r>
-            <a:endParaRPr lang="en-US" dirty="0"/>
+            <a:endParaRPr lang="en-US" sz="2800" dirty="0"/>
           </a:p>
           <a:p>
             <a:pPr marL="285750" indent="-285750">
@@ -4341,12 +4311,12 @@
               <a:buChar char="•"/>
             </a:pPr>
             <a:r>
-              <a:rPr lang="en-US" dirty="0">
+              <a:rPr lang="en-US" sz="2800" dirty="0">
                 <a:hlinkClick r:id="rId10" action="ppaction://hlinksldjump"/>
               </a:rPr>
               <a:t>Development Timeline</a:t>
             </a:r>
-            <a:endParaRPr lang="en-US" dirty="0"/>
+            <a:endParaRPr lang="en-US" sz="2800" dirty="0"/>
           </a:p>
         </p:txBody>
       </p:sp>
@@ -4427,7 +4397,7 @@
         <p:spPr>
           <a:xfrm>
             <a:off x="566928" y="2185417"/>
-            <a:ext cx="6951472" cy="962820"/>
+            <a:ext cx="10051196" cy="962820"/>
           </a:xfrm>
         </p:spPr>
         <p:txBody>
@@ -4438,8 +4408,16 @@
               <a:buNone/>
             </a:pPr>
             <a:r>
-              <a:rPr lang="en-US" dirty="0"/>
-              <a:t>Problem statement:</a:t>
+              <a:rPr lang="en-US" dirty="0">
+                <a:solidFill>
+                  <a:schemeClr val="tx2"/>
+                </a:solidFill>
+              </a:rPr>
+              <a:t>Problem statement</a:t>
+            </a:r>
+            <a:r>
+              <a:rPr lang="en-US" dirty="0"/>
+              <a:t>: In the development of robots we find that the most efficient are the ones that can most flexibly move and sense the environment around them. One method of movement that would be worth exploring is that of omnidirectional vehicles. That is what will be implemented in Pac-bot. It would also gradually create a map of the environment by exploring and measuring the distance between itself and another object.</a:t>
             </a:r>
           </a:p>
         </p:txBody>
@@ -4489,8 +4467,8 @@
         </p:nvSpPr>
         <p:spPr>
           <a:xfrm>
-            <a:off x="566928" y="3858844"/>
-            <a:ext cx="6951472" cy="962820"/>
+            <a:off x="566928" y="4496153"/>
+            <a:ext cx="9735312" cy="962820"/>
           </a:xfrm>
           <a:prstGeom prst="rect">
             <a:avLst/>
@@ -4690,8 +4668,40 @@
               <a:buNone/>
             </a:pPr>
             <a:r>
-              <a:rPr lang="en-US" dirty="0"/>
+              <a:rPr lang="en-US" sz="1600" dirty="0">
+                <a:solidFill>
+                  <a:schemeClr val="tx2"/>
+                </a:solidFill>
+              </a:rPr>
               <a:t>Implemented Solution</a:t>
+            </a:r>
+            <a:r>
+              <a:rPr lang="en-US" sz="1600" dirty="0"/>
+              <a:t>: This will be implemented using a </a:t>
+            </a:r>
+            <a:r>
+              <a:rPr lang="en-US" sz="1600" dirty="0" err="1"/>
+              <a:t>Stm</a:t>
+            </a:r>
+            <a:r>
+              <a:rPr lang="en-US" sz="1600" dirty="0"/>
+              <a:t> </a:t>
+            </a:r>
+            <a:r>
+              <a:rPr lang="en-US" sz="1600" dirty="0" err="1"/>
+              <a:t>nucleo</a:t>
+            </a:r>
+            <a:r>
+              <a:rPr lang="en-US" sz="1600" dirty="0"/>
+              <a:t> microcontroller which will drive 4 motors each attached to </a:t>
+            </a:r>
+            <a:r>
+              <a:rPr lang="en-US" sz="1600" dirty="0" err="1"/>
+              <a:t>mecanum</a:t>
+            </a:r>
+            <a:r>
+              <a:rPr lang="en-US" sz="1600" dirty="0"/>
+              <a:t> wheels. It will use an ultrasonic sensor to measure the distance of an object in front of it and a matrix keypad to take in user input. It will also have an 16x2 lcd screen to output any necessary user information.</a:t>
             </a:r>
           </a:p>
         </p:txBody>
@@ -4813,6 +4823,13 @@
             <a:r>
               <a:rPr lang="en-US" dirty="0"/>
               <a:t> wheels</a:t>
+            </a:r>
+          </a:p>
+          <a:p>
+            <a:pPr lvl="1"/>
+            <a:r>
+              <a:rPr lang="en-US" dirty="0"/>
+              <a:t>Chassis</a:t>
             </a:r>
           </a:p>
           <a:p>
@@ -5399,142 +5416,93 @@
             </a:pPr>
             <a:r>
               <a:rPr lang="en-US" dirty="0"/>
-              <a:t>Em psum dolor sit amet, consectetur adipiscing elit. Mauris vehicula dui in neque dignissim, in aliquet nisl varius. Sed a erat ut magna vulputate feugiat. Quisque varius et libero placerat erat.</a:t>
-            </a:r>
-          </a:p>
-        </p:txBody>
-      </p:sp>
-      <p:sp>
-        <p:nvSpPr>
-          <p:cNvPr id="13" name="Picture" descr="Image Placeholder">
-            <a:extLst>
-              <a:ext uri="{FF2B5EF4-FFF2-40B4-BE49-F238E27FC236}">
-                <a16:creationId xmlns:a16="http://schemas.microsoft.com/office/drawing/2014/main" id="{2F7EAA57-DE56-CA46-BAA1-5C2C5EAB102B}"/>
-              </a:ext>
-            </a:extLst>
-          </p:cNvPr>
-          <p:cNvSpPr>
-            <a:spLocks noGrp="1"/>
-          </p:cNvSpPr>
+              <a:t>Currently the only mode that was implemented for the sake of this project was obey.</a:t>
+            </a:r>
+          </a:p>
+          <a:p>
+            <a:pPr marL="342900" indent="-342900">
+              <a:spcAft>
+                <a:spcPts val="600"/>
+              </a:spcAft>
+              <a:buFont typeface="+mj-lt"/>
+              <a:buAutoNum type="arabicPeriod"/>
+            </a:pPr>
+            <a:r>
+              <a:rPr lang="en-US" dirty="0"/>
+              <a:t>First it handles any previous button press on the matrix keypad which will also dispatch the relevant event</a:t>
+            </a:r>
+          </a:p>
+          <a:p>
+            <a:pPr marL="342900" indent="-342900">
+              <a:spcAft>
+                <a:spcPts val="600"/>
+              </a:spcAft>
+              <a:buFont typeface="+mj-lt"/>
+              <a:buAutoNum type="arabicPeriod"/>
+            </a:pPr>
+            <a:r>
+              <a:rPr lang="en-US" dirty="0"/>
+              <a:t>Then it updates distance from nearest object directly in front</a:t>
+            </a:r>
+          </a:p>
+          <a:p>
+            <a:pPr marL="342900" indent="-342900">
+              <a:spcAft>
+                <a:spcPts val="600"/>
+              </a:spcAft>
+              <a:buFont typeface="+mj-lt"/>
+              <a:buAutoNum type="arabicPeriod"/>
+            </a:pPr>
+            <a:r>
+              <a:rPr lang="en-US" dirty="0"/>
+              <a:t>Finally it updates the lcd screen with most recent information</a:t>
+            </a:r>
+          </a:p>
+          <a:p>
+            <a:pPr marL="0" indent="0">
+              <a:spcAft>
+                <a:spcPts val="600"/>
+              </a:spcAft>
+              <a:buNone/>
+            </a:pPr>
+            <a:endParaRPr lang="en-US" dirty="0"/>
+          </a:p>
+          <a:p>
+            <a:pPr marL="0" indent="0">
+              <a:spcAft>
+                <a:spcPts val="600"/>
+              </a:spcAft>
+              <a:buNone/>
+            </a:pPr>
+            <a:endParaRPr lang="en-US" dirty="0"/>
+          </a:p>
+        </p:txBody>
+      </p:sp>
+      <p:pic>
+        <p:nvPicPr>
+          <p:cNvPr id="8" name="Picture Placeholder 7" descr="Diagram, schematic&#10;&#10;Description automatically generated">
+            <a:extLst>
+              <a:ext uri="{FF2B5EF4-FFF2-40B4-BE49-F238E27FC236}">
+                <a16:creationId xmlns:a16="http://schemas.microsoft.com/office/drawing/2014/main" id="{1FB72FA2-9248-E8B1-E708-44EA43A3FA8F}"/>
+              </a:ext>
+            </a:extLst>
+          </p:cNvPr>
+          <p:cNvPicPr>
+            <a:picLocks noGrp="1" noChangeAspect="1"/>
+          </p:cNvPicPr>
           <p:nvPr>
             <p:ph type="pic" idx="13"/>
           </p:nvPr>
-        </p:nvSpPr>
+        </p:nvPicPr>
+        <p:blipFill>
+          <a:blip r:embed="rId2"/>
+          <a:srcRect t="6177" b="6177"/>
+          <a:stretch>
+            <a:fillRect/>
+          </a:stretch>
+        </p:blipFill>
         <p:spPr/>
-      </p:sp>
-      <p:sp>
-        <p:nvSpPr>
-          <p:cNvPr id="14" name="Slide Note">
-            <a:extLst>
-              <a:ext uri="{FF2B5EF4-FFF2-40B4-BE49-F238E27FC236}">
-                <a16:creationId xmlns:a16="http://schemas.microsoft.com/office/drawing/2014/main" id="{767C01DD-707F-4742-B0A0-9274A977492A}"/>
-              </a:ext>
-            </a:extLst>
-          </p:cNvPr>
-          <p:cNvSpPr txBox="1"/>
-          <p:nvPr/>
-        </p:nvSpPr>
-        <p:spPr>
-          <a:xfrm>
-            <a:off x="2974505" y="5442239"/>
-            <a:ext cx="2194395" cy="830997"/>
-          </a:xfrm>
-          <a:prstGeom prst="rect">
-            <a:avLst/>
-          </a:prstGeom>
-          <a:noFill/>
-          <a:ln>
-            <a:noFill/>
-          </a:ln>
-        </p:spPr>
-        <p:txBody>
-          <a:bodyPr wrap="square" rtlCol="0">
-            <a:spAutoFit/>
-          </a:bodyPr>
-          <a:lstStyle/>
-          <a:p>
-            <a:r>
-              <a:rPr lang="en-US" sz="1600" b="1" dirty="0">
-                <a:solidFill>
-                  <a:schemeClr val="tx2"/>
-                </a:solidFill>
-                <a:latin typeface="Arial" charset="0"/>
-                <a:ea typeface="Arial" charset="0"/>
-                <a:cs typeface="Arial" charset="0"/>
-              </a:rPr>
-              <a:t>NOTE:</a:t>
-            </a:r>
-            <a:r>
-              <a:rPr lang="en-US" sz="1600" dirty="0">
-                <a:solidFill>
-                  <a:schemeClr val="tx2"/>
-                </a:solidFill>
-                <a:latin typeface="Arial" charset="0"/>
-                <a:ea typeface="Arial" charset="0"/>
-                <a:cs typeface="Arial" charset="0"/>
-              </a:rPr>
-              <a:t> Neque in dignissim, and quet nis et umis varius.</a:t>
-            </a:r>
-          </a:p>
-        </p:txBody>
-      </p:sp>
-      <p:sp>
-        <p:nvSpPr>
-          <p:cNvPr id="15" name="Arrow" descr="Dashed Arrow">
-            <a:extLst>
-              <a:ext uri="{FF2B5EF4-FFF2-40B4-BE49-F238E27FC236}">
-                <a16:creationId xmlns:a16="http://schemas.microsoft.com/office/drawing/2014/main" id="{E4E363DF-78BF-7047-827C-B91CD97363E6}"/>
-              </a:ext>
-            </a:extLst>
-          </p:cNvPr>
-          <p:cNvSpPr/>
-          <p:nvPr/>
-        </p:nvSpPr>
-        <p:spPr>
-          <a:xfrm rot="14218706" flipV="1">
-            <a:off x="3979434" y="4366041"/>
-            <a:ext cx="1399130" cy="1664208"/>
-          </a:xfrm>
-          <a:prstGeom prst="arc">
-            <a:avLst>
-              <a:gd name="adj1" fmla="val 16200000"/>
-              <a:gd name="adj2" fmla="val 4002257"/>
-            </a:avLst>
-          </a:prstGeom>
-          <a:ln w="20320">
-            <a:solidFill>
-              <a:schemeClr val="tx2"/>
-            </a:solidFill>
-            <a:prstDash val="dash"/>
-            <a:headEnd type="arrow" w="lg" len="med"/>
-            <a:tailEnd type="oval" w="med" len="med"/>
-          </a:ln>
-        </p:spPr>
-        <p:style>
-          <a:lnRef idx="1">
-            <a:schemeClr val="accent1"/>
-          </a:lnRef>
-          <a:fillRef idx="0">
-            <a:schemeClr val="accent1"/>
-          </a:fillRef>
-          <a:effectRef idx="0">
-            <a:schemeClr val="accent1"/>
-          </a:effectRef>
-          <a:fontRef idx="minor">
-            <a:schemeClr val="tx1"/>
-          </a:fontRef>
-        </p:style>
-        <p:txBody>
-          <a:bodyPr rtlCol="0" anchor="ctr"/>
-          <a:lstStyle/>
-          <a:p>
-            <a:pPr algn="ctr"/>
-            <a:endParaRPr lang="en-US" dirty="0">
-              <a:latin typeface="Arial" charset="0"/>
-            </a:endParaRPr>
-          </a:p>
-        </p:txBody>
-      </p:sp>
+      </p:pic>
     </p:spTree>
     <p:extLst>
       <p:ext uri="{BB962C8B-B14F-4D97-AF65-F5344CB8AC3E}">
@@ -5581,14 +5549,26 @@
             <p:ph type="title"/>
           </p:nvPr>
         </p:nvSpPr>
-        <p:spPr/>
+        <p:spPr>
+          <a:xfrm>
+            <a:off x="566928" y="1001018"/>
+            <a:ext cx="4300494" cy="1089529"/>
+          </a:xfrm>
+        </p:spPr>
         <p:txBody>
           <a:bodyPr/>
           <a:lstStyle/>
           <a:p>
             <a:r>
               <a:rPr lang="en-US" dirty="0"/>
-              <a:t>Instructions</a:t>
+              <a:t>Instructions with </a:t>
+            </a:r>
+            <a:br>
+              <a:rPr lang="en-US" dirty="0"/>
+            </a:br>
+            <a:r>
+              <a:rPr lang="en-US" dirty="0"/>
+              <a:t>Chassis</a:t>
             </a:r>
           </a:p>
         </p:txBody>
@@ -5609,40 +5589,155 @@
             <p:ph idx="1"/>
           </p:nvPr>
         </p:nvSpPr>
-        <p:spPr/>
+        <p:spPr>
+          <a:xfrm>
+            <a:off x="566928" y="2185416"/>
+            <a:ext cx="4835066" cy="3968249"/>
+          </a:xfrm>
+        </p:spPr>
         <p:txBody>
           <a:bodyPr/>
           <a:lstStyle/>
           <a:p>
-            <a:r>
-              <a:rPr lang="en-US" dirty="0"/>
-              <a:t>Assemble Chassis</a:t>
-            </a:r>
-          </a:p>
-          <a:p>
-            <a:r>
-              <a:rPr lang="en-US" dirty="0"/>
+            <a:pPr marL="342900" indent="-342900">
+              <a:buFont typeface="+mj-lt"/>
+              <a:buAutoNum type="arabicPeriod"/>
+            </a:pPr>
+            <a:r>
+              <a:rPr lang="en-US" sz="1600" dirty="0"/>
+              <a:t>Assemble motors to first layer of chassis</a:t>
+            </a:r>
+          </a:p>
+          <a:p>
+            <a:pPr marL="342900" indent="-342900">
+              <a:buFont typeface="+mj-lt"/>
+              <a:buAutoNum type="arabicPeriod"/>
+            </a:pPr>
+            <a:r>
+              <a:rPr lang="en-US" sz="1600" dirty="0"/>
               <a:t>Attach </a:t>
             </a:r>
             <a:r>
-              <a:rPr lang="en-US" dirty="0" err="1"/>
+              <a:rPr lang="en-US" sz="1600" dirty="0" err="1"/>
               <a:t>Nucleo</a:t>
             </a:r>
             <a:r>
-              <a:rPr lang="en-US" dirty="0"/>
-              <a:t> Board</a:t>
-            </a:r>
-          </a:p>
-          <a:p>
-            <a:r>
-              <a:rPr lang="en-US" dirty="0"/>
-              <a:t>Attach motor driver</a:t>
-            </a:r>
-          </a:p>
-          <a:p>
-            <a:r>
-              <a:rPr lang="en-US" dirty="0"/>
-              <a:t>Add components</a:t>
+              <a:rPr lang="en-US" sz="1600" dirty="0"/>
+              <a:t> to second layer of chassis</a:t>
+            </a:r>
+          </a:p>
+          <a:p>
+            <a:pPr marL="342900" indent="-342900">
+              <a:buFont typeface="+mj-lt"/>
+              <a:buAutoNum type="arabicPeriod"/>
+            </a:pPr>
+            <a:r>
+              <a:rPr lang="en-US" sz="1600" dirty="0"/>
+              <a:t>Attach H-bridge driver to first layer of chassis</a:t>
+            </a:r>
+          </a:p>
+          <a:p>
+            <a:pPr marL="342900" indent="-342900">
+              <a:buFont typeface="+mj-lt"/>
+              <a:buAutoNum type="arabicPeriod"/>
+            </a:pPr>
+            <a:r>
+              <a:rPr lang="en-US" sz="1600" dirty="0"/>
+              <a:t>Connect components to </a:t>
+            </a:r>
+            <a:r>
+              <a:rPr lang="en-US" sz="1600" dirty="0" err="1"/>
+              <a:t>Nucleo</a:t>
+            </a:r>
+            <a:r>
+              <a:rPr lang="en-US" sz="1600" dirty="0"/>
+              <a:t> </a:t>
+            </a:r>
+            <a:r>
+              <a:rPr lang="en-US" sz="1600" dirty="0" err="1"/>
+              <a:t>i</a:t>
+            </a:r>
+            <a:r>
+              <a:rPr lang="en-US" sz="1600" dirty="0"/>
+              <a:t>/o pins</a:t>
+            </a:r>
+          </a:p>
+          <a:p>
+            <a:pPr marL="800100" lvl="1" indent="-342900">
+              <a:buFont typeface="+mj-lt"/>
+              <a:buAutoNum type="arabicPeriod"/>
+            </a:pPr>
+            <a:r>
+              <a:rPr lang="en-US" sz="1600" dirty="0"/>
+              <a:t>Matrix keypad (GPIO)</a:t>
+            </a:r>
+          </a:p>
+          <a:p>
+            <a:pPr marL="800100" lvl="1" indent="-342900">
+              <a:buFont typeface="+mj-lt"/>
+              <a:buAutoNum type="arabicPeriod"/>
+            </a:pPr>
+            <a:r>
+              <a:rPr lang="en-US" sz="1600" dirty="0"/>
+              <a:t>LCD (i2c)</a:t>
+            </a:r>
+          </a:p>
+          <a:p>
+            <a:pPr marL="800100" lvl="1" indent="-342900">
+              <a:buFont typeface="+mj-lt"/>
+              <a:buAutoNum type="arabicPeriod"/>
+            </a:pPr>
+            <a:r>
+              <a:rPr lang="en-US" sz="1600" dirty="0"/>
+              <a:t>H-bridge driver</a:t>
+            </a:r>
+          </a:p>
+          <a:p>
+            <a:pPr marL="1257300" lvl="2" indent="-342900">
+              <a:buFont typeface="+mj-lt"/>
+              <a:buAutoNum type="arabicPeriod"/>
+            </a:pPr>
+            <a:r>
+              <a:rPr lang="en-US" sz="1600" dirty="0"/>
+              <a:t>x4 DC </a:t>
+            </a:r>
+            <a:r>
+              <a:rPr lang="en-US" sz="1600" dirty="0" err="1"/>
+              <a:t>mtotors</a:t>
+            </a:r>
+            <a:r>
+              <a:rPr lang="en-US" sz="1600" dirty="0"/>
+              <a:t> (GPIO)</a:t>
+            </a:r>
+          </a:p>
+          <a:p>
+            <a:pPr marL="800100" lvl="1" indent="-342900">
+              <a:buFont typeface="+mj-lt"/>
+              <a:buAutoNum type="arabicPeriod"/>
+            </a:pPr>
+            <a:r>
+              <a:rPr lang="en-US" sz="1600" dirty="0"/>
+              <a:t>Ultrasonic sensor (i2c)</a:t>
+            </a:r>
+          </a:p>
+          <a:p>
+            <a:pPr marL="342900" indent="-342900">
+              <a:buFont typeface="+mj-lt"/>
+              <a:buAutoNum type="arabicPeriod"/>
+            </a:pPr>
+            <a:r>
+              <a:rPr lang="en-US" sz="1600" dirty="0"/>
+              <a:t>Assign connected pins inn software class instantiations</a:t>
+            </a:r>
+          </a:p>
+          <a:p>
+            <a:pPr marL="342900" indent="-342900">
+              <a:buFont typeface="+mj-lt"/>
+              <a:buAutoNum type="arabicPeriod"/>
+            </a:pPr>
+            <a:r>
+              <a:rPr lang="en-US" sz="1600" dirty="0"/>
+              <a:t>Compile and run code</a:t>
             </a:r>
           </a:p>
         </p:txBody>
@@ -5673,6 +5768,384 @@
               <a:t>9</a:t>
             </a:fld>
             <a:endParaRPr lang="en-US" dirty="0"/>
+          </a:p>
+        </p:txBody>
+      </p:sp>
+      <p:sp>
+        <p:nvSpPr>
+          <p:cNvPr id="4" name="Slide Title">
+            <a:extLst>
+              <a:ext uri="{FF2B5EF4-FFF2-40B4-BE49-F238E27FC236}">
+                <a16:creationId xmlns:a16="http://schemas.microsoft.com/office/drawing/2014/main" id="{D9E54BD5-16AF-7845-BDA2-9DE15BEDABAF}"/>
+              </a:ext>
+            </a:extLst>
+          </p:cNvPr>
+          <p:cNvSpPr txBox="1">
+            <a:spLocks/>
+          </p:cNvSpPr>
+          <p:nvPr/>
+        </p:nvSpPr>
+        <p:spPr>
+          <a:xfrm>
+            <a:off x="5818866" y="1001017"/>
+            <a:ext cx="4879614" cy="1089529"/>
+          </a:xfrm>
+          <a:prstGeom prst="rect">
+            <a:avLst/>
+          </a:prstGeom>
+        </p:spPr>
+        <p:txBody>
+          <a:bodyPr vert="horz" wrap="square" lIns="91440" tIns="45720" rIns="91440" bIns="45720" rtlCol="0" anchor="b" anchorCtr="0">
+            <a:spAutoFit/>
+          </a:bodyPr>
+          <a:lstStyle>
+            <a:lvl1pPr algn="l" defTabSz="914400" rtl="0" eaLnBrk="1" latinLnBrk="0" hangingPunct="1">
+              <a:lnSpc>
+                <a:spcPct val="90000"/>
+              </a:lnSpc>
+              <a:spcBef>
+                <a:spcPct val="0"/>
+              </a:spcBef>
+              <a:buNone/>
+              <a:defRPr sz="3600" b="0" i="0" kern="1200">
+                <a:solidFill>
+                  <a:schemeClr val="tx2"/>
+                </a:solidFill>
+                <a:latin typeface="Georgia" panose="02040502050405020303" pitchFamily="18" charset="0"/>
+                <a:ea typeface="+mj-ea"/>
+                <a:cs typeface="+mj-cs"/>
+              </a:defRPr>
+            </a:lvl1pPr>
+          </a:lstStyle>
+          <a:p>
+            <a:r>
+              <a:rPr lang="en-US" dirty="0"/>
+              <a:t>Instructions without </a:t>
+            </a:r>
+            <a:br>
+              <a:rPr lang="en-US" dirty="0"/>
+            </a:br>
+            <a:r>
+              <a:rPr lang="en-US" dirty="0"/>
+              <a:t>Chassis</a:t>
+            </a:r>
+          </a:p>
+        </p:txBody>
+      </p:sp>
+      <p:sp>
+        <p:nvSpPr>
+          <p:cNvPr id="6" name="Slide Text">
+            <a:extLst>
+              <a:ext uri="{FF2B5EF4-FFF2-40B4-BE49-F238E27FC236}">
+                <a16:creationId xmlns:a16="http://schemas.microsoft.com/office/drawing/2014/main" id="{33B578C9-F926-726D-EC0C-659EC12A6173}"/>
+              </a:ext>
+            </a:extLst>
+          </p:cNvPr>
+          <p:cNvSpPr txBox="1">
+            <a:spLocks/>
+          </p:cNvSpPr>
+          <p:nvPr/>
+        </p:nvSpPr>
+        <p:spPr>
+          <a:xfrm>
+            <a:off x="5796826" y="2185415"/>
+            <a:ext cx="5070465" cy="3968250"/>
+          </a:xfrm>
+          <a:prstGeom prst="rect">
+            <a:avLst/>
+          </a:prstGeom>
+        </p:spPr>
+        <p:txBody>
+          <a:bodyPr vert="horz" lIns="91440" tIns="45720" rIns="91440" bIns="45720" rtlCol="0">
+            <a:noAutofit/>
+          </a:bodyPr>
+          <a:lstStyle>
+            <a:lvl1pPr marL="228600" indent="-228600" algn="l" defTabSz="914400" rtl="0" eaLnBrk="1" latinLnBrk="0" hangingPunct="1">
+              <a:lnSpc>
+                <a:spcPct val="130000"/>
+              </a:lnSpc>
+              <a:spcBef>
+                <a:spcPts val="600"/>
+              </a:spcBef>
+              <a:buClr>
+                <a:schemeClr val="tx2"/>
+              </a:buClr>
+              <a:buSzPct val="120000"/>
+              <a:buFont typeface="Arial" panose="020B0604020202020204" pitchFamily="34" charset="0"/>
+              <a:buChar char="•"/>
+              <a:defRPr sz="1800" kern="1200">
+                <a:solidFill>
+                  <a:schemeClr val="tx1"/>
+                </a:solidFill>
+                <a:latin typeface="+mn-lt"/>
+                <a:ea typeface="+mn-ea"/>
+                <a:cs typeface="+mn-cs"/>
+              </a:defRPr>
+            </a:lvl1pPr>
+            <a:lvl2pPr marL="685800" indent="-182880" algn="l" defTabSz="914400" rtl="0" eaLnBrk="1" latinLnBrk="0" hangingPunct="1">
+              <a:lnSpc>
+                <a:spcPct val="130000"/>
+              </a:lnSpc>
+              <a:spcBef>
+                <a:spcPts val="600"/>
+              </a:spcBef>
+              <a:buClr>
+                <a:schemeClr val="tx2"/>
+              </a:buClr>
+              <a:buSzPct val="120000"/>
+              <a:buFont typeface="System Font Regular"/>
+              <a:buChar char="-"/>
+              <a:defRPr sz="1800" kern="1200">
+                <a:solidFill>
+                  <a:schemeClr val="tx1"/>
+                </a:solidFill>
+                <a:latin typeface="+mn-lt"/>
+                <a:ea typeface="+mn-ea"/>
+                <a:cs typeface="+mn-cs"/>
+              </a:defRPr>
+            </a:lvl2pPr>
+            <a:lvl3pPr marL="1143000" indent="-182880" algn="l" defTabSz="914400" rtl="0" eaLnBrk="1" latinLnBrk="0" hangingPunct="1">
+              <a:lnSpc>
+                <a:spcPct val="130000"/>
+              </a:lnSpc>
+              <a:spcBef>
+                <a:spcPts val="600"/>
+              </a:spcBef>
+              <a:buClr>
+                <a:schemeClr val="tx2"/>
+              </a:buClr>
+              <a:buSzPct val="120000"/>
+              <a:buFont typeface="System Font Regular"/>
+              <a:buChar char="-"/>
+              <a:defRPr sz="1800" kern="1200">
+                <a:solidFill>
+                  <a:schemeClr val="tx1"/>
+                </a:solidFill>
+                <a:latin typeface="+mn-lt"/>
+                <a:ea typeface="+mn-ea"/>
+                <a:cs typeface="+mn-cs"/>
+              </a:defRPr>
+            </a:lvl3pPr>
+            <a:lvl4pPr marL="1600200" indent="-182880" algn="l" defTabSz="914400" rtl="0" eaLnBrk="1" latinLnBrk="0" hangingPunct="1">
+              <a:lnSpc>
+                <a:spcPct val="130000"/>
+              </a:lnSpc>
+              <a:spcBef>
+                <a:spcPts val="600"/>
+              </a:spcBef>
+              <a:buClr>
+                <a:schemeClr val="tx2"/>
+              </a:buClr>
+              <a:buSzPct val="120000"/>
+              <a:buFont typeface="System Font Regular"/>
+              <a:buChar char="-"/>
+              <a:defRPr sz="1800" kern="1200">
+                <a:solidFill>
+                  <a:schemeClr val="tx1"/>
+                </a:solidFill>
+                <a:latin typeface="+mn-lt"/>
+                <a:ea typeface="+mn-ea"/>
+                <a:cs typeface="+mn-cs"/>
+              </a:defRPr>
+            </a:lvl4pPr>
+            <a:lvl5pPr marL="2057400" indent="-182880" algn="l" defTabSz="914400" rtl="0" eaLnBrk="1" latinLnBrk="0" hangingPunct="1">
+              <a:lnSpc>
+                <a:spcPct val="130000"/>
+              </a:lnSpc>
+              <a:spcBef>
+                <a:spcPts val="600"/>
+              </a:spcBef>
+              <a:buClr>
+                <a:schemeClr val="tx2"/>
+              </a:buClr>
+              <a:buSzPct val="120000"/>
+              <a:buFont typeface="System Font Regular"/>
+              <a:buChar char="-"/>
+              <a:defRPr sz="1800" kern="1200">
+                <a:solidFill>
+                  <a:schemeClr val="tx1"/>
+                </a:solidFill>
+                <a:latin typeface="+mn-lt"/>
+                <a:ea typeface="+mn-ea"/>
+                <a:cs typeface="+mn-cs"/>
+              </a:defRPr>
+            </a:lvl5pPr>
+            <a:lvl6pPr marL="2514600" indent="-228600" algn="l" defTabSz="914400" rtl="0" eaLnBrk="1" latinLnBrk="0" hangingPunct="1">
+              <a:lnSpc>
+                <a:spcPct val="90000"/>
+              </a:lnSpc>
+              <a:spcBef>
+                <a:spcPts val="500"/>
+              </a:spcBef>
+              <a:buFont typeface="Arial" panose="020B0604020202020204" pitchFamily="34" charset="0"/>
+              <a:buChar char="•"/>
+              <a:defRPr sz="1800" kern="1200">
+                <a:solidFill>
+                  <a:schemeClr val="tx1"/>
+                </a:solidFill>
+                <a:latin typeface="+mn-lt"/>
+                <a:ea typeface="+mn-ea"/>
+                <a:cs typeface="+mn-cs"/>
+              </a:defRPr>
+            </a:lvl6pPr>
+            <a:lvl7pPr marL="2971800" indent="-228600" algn="l" defTabSz="914400" rtl="0" eaLnBrk="1" latinLnBrk="0" hangingPunct="1">
+              <a:lnSpc>
+                <a:spcPct val="90000"/>
+              </a:lnSpc>
+              <a:spcBef>
+                <a:spcPts val="500"/>
+              </a:spcBef>
+              <a:buFont typeface="Arial" panose="020B0604020202020204" pitchFamily="34" charset="0"/>
+              <a:buChar char="•"/>
+              <a:defRPr sz="1800" kern="1200">
+                <a:solidFill>
+                  <a:schemeClr val="tx1"/>
+                </a:solidFill>
+                <a:latin typeface="+mn-lt"/>
+                <a:ea typeface="+mn-ea"/>
+                <a:cs typeface="+mn-cs"/>
+              </a:defRPr>
+            </a:lvl7pPr>
+            <a:lvl8pPr marL="3429000" indent="-228600" algn="l" defTabSz="914400" rtl="0" eaLnBrk="1" latinLnBrk="0" hangingPunct="1">
+              <a:lnSpc>
+                <a:spcPct val="90000"/>
+              </a:lnSpc>
+              <a:spcBef>
+                <a:spcPts val="500"/>
+              </a:spcBef>
+              <a:buFont typeface="Arial" panose="020B0604020202020204" pitchFamily="34" charset="0"/>
+              <a:buChar char="•"/>
+              <a:defRPr sz="1800" kern="1200">
+                <a:solidFill>
+                  <a:schemeClr val="tx1"/>
+                </a:solidFill>
+                <a:latin typeface="+mn-lt"/>
+                <a:ea typeface="+mn-ea"/>
+                <a:cs typeface="+mn-cs"/>
+              </a:defRPr>
+            </a:lvl8pPr>
+            <a:lvl9pPr marL="3886200" indent="-228600" algn="l" defTabSz="914400" rtl="0" eaLnBrk="1" latinLnBrk="0" hangingPunct="1">
+              <a:lnSpc>
+                <a:spcPct val="90000"/>
+              </a:lnSpc>
+              <a:spcBef>
+                <a:spcPts val="500"/>
+              </a:spcBef>
+              <a:buFont typeface="Arial" panose="020B0604020202020204" pitchFamily="34" charset="0"/>
+              <a:buChar char="•"/>
+              <a:defRPr sz="1800" kern="1200">
+                <a:solidFill>
+                  <a:schemeClr val="tx1"/>
+                </a:solidFill>
+                <a:latin typeface="+mn-lt"/>
+                <a:ea typeface="+mn-ea"/>
+                <a:cs typeface="+mn-cs"/>
+              </a:defRPr>
+            </a:lvl9pPr>
+          </a:lstStyle>
+          <a:p>
+            <a:pPr marL="342900" indent="-342900">
+              <a:buFont typeface="+mj-lt"/>
+              <a:buAutoNum type="arabicPeriod"/>
+            </a:pPr>
+            <a:r>
+              <a:rPr lang="en-US" sz="1600" dirty="0"/>
+              <a:t>Connect components to </a:t>
+            </a:r>
+            <a:r>
+              <a:rPr lang="en-US" sz="1600" dirty="0" err="1"/>
+              <a:t>Nucleo</a:t>
+            </a:r>
+            <a:r>
+              <a:rPr lang="en-US" sz="1600" dirty="0"/>
+              <a:t> </a:t>
+            </a:r>
+            <a:r>
+              <a:rPr lang="en-US" sz="1600" dirty="0" err="1"/>
+              <a:t>i</a:t>
+            </a:r>
+            <a:r>
+              <a:rPr lang="en-US" sz="1600" dirty="0"/>
+              <a:t>/o pins</a:t>
+            </a:r>
+          </a:p>
+          <a:p>
+            <a:pPr marL="800100" lvl="1" indent="-342900">
+              <a:buFont typeface="+mj-lt"/>
+              <a:buAutoNum type="arabicPeriod"/>
+            </a:pPr>
+            <a:r>
+              <a:rPr lang="en-US" sz="1600" dirty="0"/>
+              <a:t>Matrix keypad (GPIO)</a:t>
+            </a:r>
+          </a:p>
+          <a:p>
+            <a:pPr marL="800100" lvl="1" indent="-342900">
+              <a:buFont typeface="+mj-lt"/>
+              <a:buAutoNum type="arabicPeriod"/>
+            </a:pPr>
+            <a:r>
+              <a:rPr lang="en-US" sz="1600" dirty="0"/>
+              <a:t>LCD (i2c)</a:t>
+            </a:r>
+          </a:p>
+          <a:p>
+            <a:pPr marL="800100" lvl="1" indent="-342900">
+              <a:buFont typeface="+mj-lt"/>
+              <a:buAutoNum type="arabicPeriod"/>
+            </a:pPr>
+            <a:r>
+              <a:rPr lang="en-US" sz="1600" dirty="0"/>
+              <a:t>H-bridge driver</a:t>
+            </a:r>
+          </a:p>
+          <a:p>
+            <a:pPr marL="1257300" lvl="2" indent="-342900">
+              <a:buFont typeface="+mj-lt"/>
+              <a:buAutoNum type="arabicPeriod"/>
+            </a:pPr>
+            <a:r>
+              <a:rPr lang="en-US" sz="1600" dirty="0"/>
+              <a:t>x4 DC </a:t>
+            </a:r>
+            <a:r>
+              <a:rPr lang="en-US" sz="1600" dirty="0" err="1"/>
+              <a:t>mtotors</a:t>
+            </a:r>
+            <a:r>
+              <a:rPr lang="en-US" sz="1600" dirty="0"/>
+              <a:t> (GPIO)</a:t>
+            </a:r>
+          </a:p>
+          <a:p>
+            <a:pPr marL="800100" lvl="1" indent="-342900">
+              <a:buFont typeface="+mj-lt"/>
+              <a:buAutoNum type="arabicPeriod"/>
+            </a:pPr>
+            <a:r>
+              <a:rPr lang="en-US" sz="1600" dirty="0"/>
+              <a:t>Ultrasonic sensor (i2c)</a:t>
+            </a:r>
+          </a:p>
+          <a:p>
+            <a:pPr marL="342900" indent="-342900">
+              <a:buFont typeface="+mj-lt"/>
+              <a:buAutoNum type="arabicPeriod"/>
+            </a:pPr>
+            <a:r>
+              <a:rPr lang="en-US" sz="1600" dirty="0"/>
+              <a:t>Assign connected pins inn software class instantiations</a:t>
+            </a:r>
+          </a:p>
+          <a:p>
+            <a:pPr marL="342900" indent="-342900">
+              <a:buFont typeface="+mj-lt"/>
+              <a:buAutoNum type="arabicPeriod"/>
+            </a:pPr>
+            <a:r>
+              <a:rPr lang="en-US" sz="1600" dirty="0"/>
+              <a:t>Compile and run code</a:t>
+            </a:r>
           </a:p>
         </p:txBody>
       </p:sp>
